--- a/computer/操作系统.pptx
+++ b/computer/操作系统.pptx
@@ -5,11 +5,13 @@
     <p:sldMasterId id="2147483648" r:id="rId1"/>
   </p:sldMasterIdLst>
   <p:notesMasterIdLst>
-    <p:notesMasterId r:id="rId4"/>
+    <p:notesMasterId r:id="rId6"/>
   </p:notesMasterIdLst>
   <p:sldIdLst>
     <p:sldId id="256" r:id="rId2"/>
     <p:sldId id="257" r:id="rId3"/>
+    <p:sldId id="258" r:id="rId4"/>
+    <p:sldId id="259" r:id="rId5"/>
   </p:sldIdLst>
   <p:sldSz cx="12192000" cy="6858000"/>
   <p:notesSz cx="6858000" cy="9144000"/>
@@ -198,7 +200,7 @@
           <a:p>
             <a:fld id="{04134CD1-84A9-1545-B9AB-0428931CAD0F}" type="datetimeFigureOut">
               <a:rPr kumimoji="1" lang="zh-CN" altLang="en-US" smtClean="0"/>
-              <a:t>2024/11/9</a:t>
+              <a:t>2024/11/10</a:t>
             </a:fld>
             <a:endParaRPr kumimoji="1" lang="zh-CN" altLang="en-US"/>
           </a:p>
@@ -696,7 +698,7 @@
           <a:p>
             <a:fld id="{43F8B90F-D7D7-1E4F-900C-47AA0DCB3EF4}" type="datetimeFigureOut">
               <a:rPr kumimoji="1" lang="zh-CN" altLang="en-US" smtClean="0"/>
-              <a:t>2024/11/9</a:t>
+              <a:t>2024/11/10</a:t>
             </a:fld>
             <a:endParaRPr kumimoji="1" lang="zh-CN" altLang="en-US"/>
           </a:p>
@@ -894,7 +896,7 @@
           <a:p>
             <a:fld id="{43F8B90F-D7D7-1E4F-900C-47AA0DCB3EF4}" type="datetimeFigureOut">
               <a:rPr kumimoji="1" lang="zh-CN" altLang="en-US" smtClean="0"/>
-              <a:t>2024/11/9</a:t>
+              <a:t>2024/11/10</a:t>
             </a:fld>
             <a:endParaRPr kumimoji="1" lang="zh-CN" altLang="en-US"/>
           </a:p>
@@ -1102,7 +1104,7 @@
           <a:p>
             <a:fld id="{43F8B90F-D7D7-1E4F-900C-47AA0DCB3EF4}" type="datetimeFigureOut">
               <a:rPr kumimoji="1" lang="zh-CN" altLang="en-US" smtClean="0"/>
-              <a:t>2024/11/9</a:t>
+              <a:t>2024/11/10</a:t>
             </a:fld>
             <a:endParaRPr kumimoji="1" lang="zh-CN" altLang="en-US"/>
           </a:p>
@@ -1300,7 +1302,7 @@
           <a:p>
             <a:fld id="{43F8B90F-D7D7-1E4F-900C-47AA0DCB3EF4}" type="datetimeFigureOut">
               <a:rPr kumimoji="1" lang="zh-CN" altLang="en-US" smtClean="0"/>
-              <a:t>2024/11/9</a:t>
+              <a:t>2024/11/10</a:t>
             </a:fld>
             <a:endParaRPr kumimoji="1" lang="zh-CN" altLang="en-US"/>
           </a:p>
@@ -1575,7 +1577,7 @@
           <a:p>
             <a:fld id="{43F8B90F-D7D7-1E4F-900C-47AA0DCB3EF4}" type="datetimeFigureOut">
               <a:rPr kumimoji="1" lang="zh-CN" altLang="en-US" smtClean="0"/>
-              <a:t>2024/11/9</a:t>
+              <a:t>2024/11/10</a:t>
             </a:fld>
             <a:endParaRPr kumimoji="1" lang="zh-CN" altLang="en-US"/>
           </a:p>
@@ -1840,7 +1842,7 @@
           <a:p>
             <a:fld id="{43F8B90F-D7D7-1E4F-900C-47AA0DCB3EF4}" type="datetimeFigureOut">
               <a:rPr kumimoji="1" lang="zh-CN" altLang="en-US" smtClean="0"/>
-              <a:t>2024/11/9</a:t>
+              <a:t>2024/11/10</a:t>
             </a:fld>
             <a:endParaRPr kumimoji="1" lang="zh-CN" altLang="en-US"/>
           </a:p>
@@ -2252,7 +2254,7 @@
           <a:p>
             <a:fld id="{43F8B90F-D7D7-1E4F-900C-47AA0DCB3EF4}" type="datetimeFigureOut">
               <a:rPr kumimoji="1" lang="zh-CN" altLang="en-US" smtClean="0"/>
-              <a:t>2024/11/9</a:t>
+              <a:t>2024/11/10</a:t>
             </a:fld>
             <a:endParaRPr kumimoji="1" lang="zh-CN" altLang="en-US"/>
           </a:p>
@@ -2393,7 +2395,7 @@
           <a:p>
             <a:fld id="{43F8B90F-D7D7-1E4F-900C-47AA0DCB3EF4}" type="datetimeFigureOut">
               <a:rPr kumimoji="1" lang="zh-CN" altLang="en-US" smtClean="0"/>
-              <a:t>2024/11/9</a:t>
+              <a:t>2024/11/10</a:t>
             </a:fld>
             <a:endParaRPr kumimoji="1" lang="zh-CN" altLang="en-US"/>
           </a:p>
@@ -2506,7 +2508,7 @@
           <a:p>
             <a:fld id="{43F8B90F-D7D7-1E4F-900C-47AA0DCB3EF4}" type="datetimeFigureOut">
               <a:rPr kumimoji="1" lang="zh-CN" altLang="en-US" smtClean="0"/>
-              <a:t>2024/11/9</a:t>
+              <a:t>2024/11/10</a:t>
             </a:fld>
             <a:endParaRPr kumimoji="1" lang="zh-CN" altLang="en-US"/>
           </a:p>
@@ -2817,7 +2819,7 @@
           <a:p>
             <a:fld id="{43F8B90F-D7D7-1E4F-900C-47AA0DCB3EF4}" type="datetimeFigureOut">
               <a:rPr kumimoji="1" lang="zh-CN" altLang="en-US" smtClean="0"/>
-              <a:t>2024/11/9</a:t>
+              <a:t>2024/11/10</a:t>
             </a:fld>
             <a:endParaRPr kumimoji="1" lang="zh-CN" altLang="en-US"/>
           </a:p>
@@ -3105,7 +3107,7 @@
           <a:p>
             <a:fld id="{43F8B90F-D7D7-1E4F-900C-47AA0DCB3EF4}" type="datetimeFigureOut">
               <a:rPr kumimoji="1" lang="zh-CN" altLang="en-US" smtClean="0"/>
-              <a:t>2024/11/9</a:t>
+              <a:t>2024/11/10</a:t>
             </a:fld>
             <a:endParaRPr kumimoji="1" lang="zh-CN" altLang="en-US"/>
           </a:p>
@@ -3346,7 +3348,7 @@
           <a:p>
             <a:fld id="{43F8B90F-D7D7-1E4F-900C-47AA0DCB3EF4}" type="datetimeFigureOut">
               <a:rPr kumimoji="1" lang="zh-CN" altLang="en-US" smtClean="0"/>
-              <a:t>2024/11/9</a:t>
+              <a:t>2024/11/10</a:t>
             </a:fld>
             <a:endParaRPr kumimoji="1" lang="zh-CN" altLang="en-US"/>
           </a:p>
@@ -5321,6 +5323,1929 @@
 </p:sld>
 </file>
 
+<file path=ppt/slides/slide3.xml><?xml version="1.0" encoding="utf-8"?>
+<p:sld xmlns:a="http://schemas.openxmlformats.org/drawingml/2006/main" xmlns:r="http://schemas.openxmlformats.org/officeDocument/2006/relationships" xmlns:p="http://schemas.openxmlformats.org/presentationml/2006/main">
+  <p:cSld>
+    <p:spTree>
+      <p:nvGrpSpPr>
+        <p:cNvPr id="1" name=""/>
+        <p:cNvGrpSpPr/>
+        <p:nvPr/>
+      </p:nvGrpSpPr>
+      <p:grpSpPr>
+        <a:xfrm>
+          <a:off x="0" y="0"/>
+          <a:ext cx="0" cy="0"/>
+          <a:chOff x="0" y="0"/>
+          <a:chExt cx="0" cy="0"/>
+        </a:xfrm>
+      </p:grpSpPr>
+      <p:graphicFrame>
+        <p:nvGraphicFramePr>
+          <p:cNvPr id="4" name="表格 3">
+            <a:extLst>
+              <a:ext uri="{FF2B5EF4-FFF2-40B4-BE49-F238E27FC236}">
+                <a16:creationId xmlns:a16="http://schemas.microsoft.com/office/drawing/2014/main" id="{7A12492D-F248-4299-E2B3-1D749FFC3E79}"/>
+              </a:ext>
+            </a:extLst>
+          </p:cNvPr>
+          <p:cNvGraphicFramePr>
+            <a:graphicFrameLocks noGrp="1"/>
+          </p:cNvGraphicFramePr>
+          <p:nvPr>
+            <p:extLst>
+              <p:ext uri="{D42A27DB-BD31-4B8C-83A1-F6EECF244321}">
+                <p14:modId xmlns:p14="http://schemas.microsoft.com/office/powerpoint/2010/main" val="879520229"/>
+              </p:ext>
+            </p:extLst>
+          </p:nvPr>
+        </p:nvGraphicFramePr>
+        <p:xfrm>
+          <a:off x="891686" y="364666"/>
+          <a:ext cx="2647580" cy="1517208"/>
+        </p:xfrm>
+        <a:graphic>
+          <a:graphicData uri="http://schemas.openxmlformats.org/drawingml/2006/table">
+            <a:tbl>
+              <a:tblPr firstRow="1" bandRow="1">
+                <a:tableStyleId>{5C22544A-7EE6-4342-B048-85BDC9FD1C3A}</a:tableStyleId>
+              </a:tblPr>
+              <a:tblGrid>
+                <a:gridCol w="1323790">
+                  <a:extLst>
+                    <a:ext uri="{9D8B030D-6E8A-4147-A177-3AD203B41FA5}">
+                      <a16:colId xmlns:a16="http://schemas.microsoft.com/office/drawing/2014/main" val="1962186672"/>
+                    </a:ext>
+                  </a:extLst>
+                </a:gridCol>
+                <a:gridCol w="1323790">
+                  <a:extLst>
+                    <a:ext uri="{9D8B030D-6E8A-4147-A177-3AD203B41FA5}">
+                      <a16:colId xmlns:a16="http://schemas.microsoft.com/office/drawing/2014/main" val="2684422487"/>
+                    </a:ext>
+                  </a:extLst>
+                </a:gridCol>
+              </a:tblGrid>
+              <a:tr h="419928">
+                <a:tc>
+                  <a:txBody>
+                    <a:bodyPr/>
+                    <a:lstStyle/>
+                    <a:p>
+                      <a:pPr algn="ctr"/>
+                      <a:r>
+                        <a:rPr lang="zh-CN" altLang="en-US" dirty="0"/>
+                        <a:t>进程</a:t>
+                      </a:r>
+                    </a:p>
+                  </a:txBody>
+                  <a:tcPr/>
+                </a:tc>
+                <a:tc>
+                  <a:txBody>
+                    <a:bodyPr/>
+                    <a:lstStyle/>
+                    <a:p>
+                      <a:pPr algn="ctr"/>
+                      <a:r>
+                        <a:rPr lang="zh-CN" altLang="en-US" dirty="0"/>
+                        <a:t>运行时间</a:t>
+                      </a:r>
+                    </a:p>
+                  </a:txBody>
+                  <a:tcPr/>
+                </a:tc>
+                <a:extLst>
+                  <a:ext uri="{0D108BD9-81ED-4DB2-BD59-A6C34878D82A}">
+                    <a16:rowId xmlns:a16="http://schemas.microsoft.com/office/drawing/2014/main" val="4081758676"/>
+                  </a:ext>
+                </a:extLst>
+              </a:tr>
+              <a:tr h="283523">
+                <a:tc>
+                  <a:txBody>
+                    <a:bodyPr/>
+                    <a:lstStyle/>
+                    <a:p>
+                      <a:pPr algn="ctr"/>
+                      <a:r>
+                        <a:rPr lang="en-US" altLang="zh-CN" dirty="0"/>
+                        <a:t>P1</a:t>
+                      </a:r>
+                      <a:endParaRPr lang="zh-CN" altLang="en-US" dirty="0"/>
+                    </a:p>
+                  </a:txBody>
+                  <a:tcPr/>
+                </a:tc>
+                <a:tc>
+                  <a:txBody>
+                    <a:bodyPr/>
+                    <a:lstStyle/>
+                    <a:p>
+                      <a:pPr algn="ctr"/>
+                      <a:r>
+                        <a:rPr lang="en-US" altLang="zh-CN" dirty="0"/>
+                        <a:t>24s</a:t>
+                      </a:r>
+                      <a:endParaRPr lang="zh-CN" altLang="en-US" dirty="0"/>
+                    </a:p>
+                  </a:txBody>
+                  <a:tcPr/>
+                </a:tc>
+                <a:extLst>
+                  <a:ext uri="{0D108BD9-81ED-4DB2-BD59-A6C34878D82A}">
+                    <a16:rowId xmlns:a16="http://schemas.microsoft.com/office/drawing/2014/main" val="944724561"/>
+                  </a:ext>
+                </a:extLst>
+              </a:tr>
+              <a:tr h="283523">
+                <a:tc>
+                  <a:txBody>
+                    <a:bodyPr/>
+                    <a:lstStyle/>
+                    <a:p>
+                      <a:pPr algn="ctr"/>
+                      <a:r>
+                        <a:rPr lang="en-US" altLang="zh-CN" dirty="0"/>
+                        <a:t>P2</a:t>
+                      </a:r>
+                      <a:endParaRPr lang="zh-CN" altLang="en-US" dirty="0"/>
+                    </a:p>
+                  </a:txBody>
+                  <a:tcPr/>
+                </a:tc>
+                <a:tc>
+                  <a:txBody>
+                    <a:bodyPr/>
+                    <a:lstStyle/>
+                    <a:p>
+                      <a:pPr algn="ctr"/>
+                      <a:r>
+                        <a:rPr lang="en-US" altLang="zh-CN" dirty="0"/>
+                        <a:t>3s</a:t>
+                      </a:r>
+                      <a:endParaRPr lang="zh-CN" altLang="en-US" dirty="0"/>
+                    </a:p>
+                  </a:txBody>
+                  <a:tcPr/>
+                </a:tc>
+                <a:extLst>
+                  <a:ext uri="{0D108BD9-81ED-4DB2-BD59-A6C34878D82A}">
+                    <a16:rowId xmlns:a16="http://schemas.microsoft.com/office/drawing/2014/main" val="3599813110"/>
+                  </a:ext>
+                </a:extLst>
+              </a:tr>
+              <a:tr h="283523">
+                <a:tc>
+                  <a:txBody>
+                    <a:bodyPr/>
+                    <a:lstStyle/>
+                    <a:p>
+                      <a:pPr algn="ctr"/>
+                      <a:r>
+                        <a:rPr lang="en-US" altLang="zh-CN" dirty="0"/>
+                        <a:t>P3</a:t>
+                      </a:r>
+                      <a:endParaRPr lang="zh-CN" altLang="en-US" dirty="0"/>
+                    </a:p>
+                  </a:txBody>
+                  <a:tcPr/>
+                </a:tc>
+                <a:tc>
+                  <a:txBody>
+                    <a:bodyPr/>
+                    <a:lstStyle/>
+                    <a:p>
+                      <a:pPr algn="ctr"/>
+                      <a:r>
+                        <a:rPr lang="en-US" altLang="zh-CN" dirty="0"/>
+                        <a:t>3s</a:t>
+                      </a:r>
+                      <a:endParaRPr lang="zh-CN" altLang="en-US" dirty="0"/>
+                    </a:p>
+                  </a:txBody>
+                  <a:tcPr/>
+                </a:tc>
+                <a:extLst>
+                  <a:ext uri="{0D108BD9-81ED-4DB2-BD59-A6C34878D82A}">
+                    <a16:rowId xmlns:a16="http://schemas.microsoft.com/office/drawing/2014/main" val="2729909510"/>
+                  </a:ext>
+                </a:extLst>
+              </a:tr>
+            </a:tbl>
+          </a:graphicData>
+        </a:graphic>
+      </p:graphicFrame>
+      <p:sp>
+        <p:nvSpPr>
+          <p:cNvPr id="5" name="矩形 4">
+            <a:extLst>
+              <a:ext uri="{FF2B5EF4-FFF2-40B4-BE49-F238E27FC236}">
+                <a16:creationId xmlns:a16="http://schemas.microsoft.com/office/drawing/2014/main" id="{DF11D413-FA3B-07A1-8931-02C40FABD9BD}"/>
+              </a:ext>
+            </a:extLst>
+          </p:cNvPr>
+          <p:cNvSpPr/>
+          <p:nvPr/>
+        </p:nvSpPr>
+        <p:spPr>
+          <a:xfrm>
+            <a:off x="1920240" y="2409713"/>
+            <a:ext cx="3238052" cy="398033"/>
+          </a:xfrm>
+          <a:prstGeom prst="rect">
+            <a:avLst/>
+          </a:prstGeom>
+          <a:solidFill>
+            <a:srgbClr val="F2CEFE"/>
+          </a:solidFill>
+        </p:spPr>
+        <p:style>
+          <a:lnRef idx="2">
+            <a:schemeClr val="accent1">
+              <a:shade val="15000"/>
+            </a:schemeClr>
+          </a:lnRef>
+          <a:fillRef idx="1">
+            <a:schemeClr val="accent1"/>
+          </a:fillRef>
+          <a:effectRef idx="0">
+            <a:schemeClr val="accent1"/>
+          </a:effectRef>
+          <a:fontRef idx="minor">
+            <a:schemeClr val="lt1"/>
+          </a:fontRef>
+        </p:style>
+        <p:txBody>
+          <a:bodyPr rtlCol="0" anchor="ctr"/>
+          <a:lstStyle/>
+          <a:p>
+            <a:pPr algn="ctr"/>
+            <a:r>
+              <a:rPr kumimoji="1" lang="en-US" altLang="zh-CN" b="1" dirty="0">
+                <a:solidFill>
+                  <a:schemeClr val="tx1"/>
+                </a:solidFill>
+                <a:latin typeface="Microsoft YaHei" panose="020B0503020204020204" pitchFamily="34" charset="-122"/>
+                <a:ea typeface="Microsoft YaHei" panose="020B0503020204020204" pitchFamily="34" charset="-122"/>
+              </a:rPr>
+              <a:t>P1</a:t>
+            </a:r>
+            <a:endParaRPr kumimoji="1" lang="zh-CN" altLang="en-US" b="1" dirty="0">
+              <a:solidFill>
+                <a:schemeClr val="tx1"/>
+              </a:solidFill>
+              <a:latin typeface="Microsoft YaHei" panose="020B0503020204020204" pitchFamily="34" charset="-122"/>
+              <a:ea typeface="Microsoft YaHei" panose="020B0503020204020204" pitchFamily="34" charset="-122"/>
+            </a:endParaRPr>
+          </a:p>
+        </p:txBody>
+      </p:sp>
+      <p:sp>
+        <p:nvSpPr>
+          <p:cNvPr id="6" name="文本框 5">
+            <a:extLst>
+              <a:ext uri="{FF2B5EF4-FFF2-40B4-BE49-F238E27FC236}">
+                <a16:creationId xmlns:a16="http://schemas.microsoft.com/office/drawing/2014/main" id="{40481540-561A-2A25-CAD7-2CADBDBC7900}"/>
+              </a:ext>
+            </a:extLst>
+          </p:cNvPr>
+          <p:cNvSpPr txBox="1"/>
+          <p:nvPr/>
+        </p:nvSpPr>
+        <p:spPr>
+          <a:xfrm>
+            <a:off x="1766993" y="2807746"/>
+            <a:ext cx="306494" cy="369332"/>
+          </a:xfrm>
+          <a:prstGeom prst="rect">
+            <a:avLst/>
+          </a:prstGeom>
+          <a:noFill/>
+        </p:spPr>
+        <p:txBody>
+          <a:bodyPr wrap="none" rtlCol="0">
+            <a:spAutoFit/>
+          </a:bodyPr>
+          <a:lstStyle/>
+          <a:p>
+            <a:r>
+              <a:rPr kumimoji="1" lang="en-US" altLang="zh-CN" dirty="0"/>
+              <a:t>0</a:t>
+            </a:r>
+            <a:endParaRPr kumimoji="1" lang="zh-CN" altLang="en-US" dirty="0"/>
+          </a:p>
+        </p:txBody>
+      </p:sp>
+      <p:sp>
+        <p:nvSpPr>
+          <p:cNvPr id="7" name="文本框 6">
+            <a:extLst>
+              <a:ext uri="{FF2B5EF4-FFF2-40B4-BE49-F238E27FC236}">
+                <a16:creationId xmlns:a16="http://schemas.microsoft.com/office/drawing/2014/main" id="{FA8B1421-332A-BA69-07BF-52EACF12BD2A}"/>
+              </a:ext>
+            </a:extLst>
+          </p:cNvPr>
+          <p:cNvSpPr txBox="1"/>
+          <p:nvPr/>
+        </p:nvSpPr>
+        <p:spPr>
+          <a:xfrm>
+            <a:off x="5005045" y="2824786"/>
+            <a:ext cx="428322" cy="369332"/>
+          </a:xfrm>
+          <a:prstGeom prst="rect">
+            <a:avLst/>
+          </a:prstGeom>
+          <a:noFill/>
+        </p:spPr>
+        <p:txBody>
+          <a:bodyPr wrap="none" rtlCol="0">
+            <a:spAutoFit/>
+          </a:bodyPr>
+          <a:lstStyle/>
+          <a:p>
+            <a:r>
+              <a:rPr kumimoji="1" lang="en-US" altLang="zh-CN" dirty="0"/>
+              <a:t>24</a:t>
+            </a:r>
+            <a:endParaRPr kumimoji="1" lang="zh-CN" altLang="en-US" dirty="0"/>
+          </a:p>
+        </p:txBody>
+      </p:sp>
+      <p:sp>
+        <p:nvSpPr>
+          <p:cNvPr id="8" name="矩形 7">
+            <a:extLst>
+              <a:ext uri="{FF2B5EF4-FFF2-40B4-BE49-F238E27FC236}">
+                <a16:creationId xmlns:a16="http://schemas.microsoft.com/office/drawing/2014/main" id="{95C905D8-1EDA-DFFD-072D-B76CAB9E45E6}"/>
+              </a:ext>
+            </a:extLst>
+          </p:cNvPr>
+          <p:cNvSpPr/>
+          <p:nvPr/>
+        </p:nvSpPr>
+        <p:spPr>
+          <a:xfrm>
+            <a:off x="5158292" y="2409713"/>
+            <a:ext cx="645458" cy="398033"/>
+          </a:xfrm>
+          <a:prstGeom prst="rect">
+            <a:avLst/>
+          </a:prstGeom>
+          <a:solidFill>
+            <a:srgbClr val="F2CEFE"/>
+          </a:solidFill>
+        </p:spPr>
+        <p:style>
+          <a:lnRef idx="2">
+            <a:schemeClr val="accent1">
+              <a:shade val="15000"/>
+            </a:schemeClr>
+          </a:lnRef>
+          <a:fillRef idx="1">
+            <a:schemeClr val="accent1"/>
+          </a:fillRef>
+          <a:effectRef idx="0">
+            <a:schemeClr val="accent1"/>
+          </a:effectRef>
+          <a:fontRef idx="minor">
+            <a:schemeClr val="lt1"/>
+          </a:fontRef>
+        </p:style>
+        <p:txBody>
+          <a:bodyPr rtlCol="0" anchor="ctr"/>
+          <a:lstStyle/>
+          <a:p>
+            <a:pPr algn="ctr"/>
+            <a:r>
+              <a:rPr kumimoji="1" lang="en-US" altLang="zh-CN" b="1" dirty="0">
+                <a:solidFill>
+                  <a:schemeClr val="tx1"/>
+                </a:solidFill>
+                <a:latin typeface="Microsoft YaHei" panose="020B0503020204020204" pitchFamily="34" charset="-122"/>
+                <a:ea typeface="Microsoft YaHei" panose="020B0503020204020204" pitchFamily="34" charset="-122"/>
+              </a:rPr>
+              <a:t>P2</a:t>
+            </a:r>
+            <a:endParaRPr kumimoji="1" lang="zh-CN" altLang="en-US" b="1" dirty="0">
+              <a:solidFill>
+                <a:schemeClr val="tx1"/>
+              </a:solidFill>
+              <a:latin typeface="Microsoft YaHei" panose="020B0503020204020204" pitchFamily="34" charset="-122"/>
+              <a:ea typeface="Microsoft YaHei" panose="020B0503020204020204" pitchFamily="34" charset="-122"/>
+            </a:endParaRPr>
+          </a:p>
+        </p:txBody>
+      </p:sp>
+      <p:sp>
+        <p:nvSpPr>
+          <p:cNvPr id="9" name="矩形 8">
+            <a:extLst>
+              <a:ext uri="{FF2B5EF4-FFF2-40B4-BE49-F238E27FC236}">
+                <a16:creationId xmlns:a16="http://schemas.microsoft.com/office/drawing/2014/main" id="{B2E2BAF8-3696-7C67-468A-B884BEEB116B}"/>
+              </a:ext>
+            </a:extLst>
+          </p:cNvPr>
+          <p:cNvSpPr/>
+          <p:nvPr/>
+        </p:nvSpPr>
+        <p:spPr>
+          <a:xfrm>
+            <a:off x="5803750" y="2409713"/>
+            <a:ext cx="645458" cy="398033"/>
+          </a:xfrm>
+          <a:prstGeom prst="rect">
+            <a:avLst/>
+          </a:prstGeom>
+          <a:solidFill>
+            <a:srgbClr val="F2CEFE"/>
+          </a:solidFill>
+        </p:spPr>
+        <p:style>
+          <a:lnRef idx="2">
+            <a:schemeClr val="accent1">
+              <a:shade val="15000"/>
+            </a:schemeClr>
+          </a:lnRef>
+          <a:fillRef idx="1">
+            <a:schemeClr val="accent1"/>
+          </a:fillRef>
+          <a:effectRef idx="0">
+            <a:schemeClr val="accent1"/>
+          </a:effectRef>
+          <a:fontRef idx="minor">
+            <a:schemeClr val="lt1"/>
+          </a:fontRef>
+        </p:style>
+        <p:txBody>
+          <a:bodyPr rtlCol="0" anchor="ctr"/>
+          <a:lstStyle/>
+          <a:p>
+            <a:pPr algn="ctr"/>
+            <a:r>
+              <a:rPr kumimoji="1" lang="en-US" altLang="zh-CN" b="1" dirty="0">
+                <a:solidFill>
+                  <a:schemeClr val="tx1"/>
+                </a:solidFill>
+                <a:latin typeface="Microsoft YaHei" panose="020B0503020204020204" pitchFamily="34" charset="-122"/>
+                <a:ea typeface="Microsoft YaHei" panose="020B0503020204020204" pitchFamily="34" charset="-122"/>
+              </a:rPr>
+              <a:t>P3</a:t>
+            </a:r>
+            <a:endParaRPr kumimoji="1" lang="zh-CN" altLang="en-US" b="1" dirty="0">
+              <a:solidFill>
+                <a:schemeClr val="tx1"/>
+              </a:solidFill>
+              <a:latin typeface="Microsoft YaHei" panose="020B0503020204020204" pitchFamily="34" charset="-122"/>
+              <a:ea typeface="Microsoft YaHei" panose="020B0503020204020204" pitchFamily="34" charset="-122"/>
+            </a:endParaRPr>
+          </a:p>
+        </p:txBody>
+      </p:sp>
+      <p:sp>
+        <p:nvSpPr>
+          <p:cNvPr id="10" name="文本框 9">
+            <a:extLst>
+              <a:ext uri="{FF2B5EF4-FFF2-40B4-BE49-F238E27FC236}">
+                <a16:creationId xmlns:a16="http://schemas.microsoft.com/office/drawing/2014/main" id="{3AEC128A-1C23-6BA4-5EDC-0020EE91B4F5}"/>
+              </a:ext>
+            </a:extLst>
+          </p:cNvPr>
+          <p:cNvSpPr txBox="1"/>
+          <p:nvPr/>
+        </p:nvSpPr>
+        <p:spPr>
+          <a:xfrm>
+            <a:off x="5589589" y="2807746"/>
+            <a:ext cx="428322" cy="369332"/>
+          </a:xfrm>
+          <a:prstGeom prst="rect">
+            <a:avLst/>
+          </a:prstGeom>
+          <a:noFill/>
+        </p:spPr>
+        <p:txBody>
+          <a:bodyPr wrap="none" rtlCol="0">
+            <a:spAutoFit/>
+          </a:bodyPr>
+          <a:lstStyle/>
+          <a:p>
+            <a:r>
+              <a:rPr kumimoji="1" lang="en-US" altLang="zh-CN" dirty="0"/>
+              <a:t>27</a:t>
+            </a:r>
+            <a:endParaRPr kumimoji="1" lang="zh-CN" altLang="en-US" dirty="0"/>
+          </a:p>
+        </p:txBody>
+      </p:sp>
+      <p:sp>
+        <p:nvSpPr>
+          <p:cNvPr id="11" name="文本框 10">
+            <a:extLst>
+              <a:ext uri="{FF2B5EF4-FFF2-40B4-BE49-F238E27FC236}">
+                <a16:creationId xmlns:a16="http://schemas.microsoft.com/office/drawing/2014/main" id="{45964153-5855-A646-65EE-28A8A1681395}"/>
+              </a:ext>
+            </a:extLst>
+          </p:cNvPr>
+          <p:cNvSpPr txBox="1"/>
+          <p:nvPr/>
+        </p:nvSpPr>
+        <p:spPr>
+          <a:xfrm>
+            <a:off x="6232072" y="2807746"/>
+            <a:ext cx="428322" cy="369332"/>
+          </a:xfrm>
+          <a:prstGeom prst="rect">
+            <a:avLst/>
+          </a:prstGeom>
+          <a:noFill/>
+        </p:spPr>
+        <p:txBody>
+          <a:bodyPr wrap="none" rtlCol="0">
+            <a:spAutoFit/>
+          </a:bodyPr>
+          <a:lstStyle/>
+          <a:p>
+            <a:r>
+              <a:rPr kumimoji="1" lang="en-US" altLang="zh-CN" dirty="0"/>
+              <a:t>30</a:t>
+            </a:r>
+            <a:endParaRPr kumimoji="1" lang="zh-CN" altLang="en-US" dirty="0"/>
+          </a:p>
+        </p:txBody>
+      </p:sp>
+      <p:sp>
+        <p:nvSpPr>
+          <p:cNvPr id="12" name="文本框 11">
+            <a:extLst>
+              <a:ext uri="{FF2B5EF4-FFF2-40B4-BE49-F238E27FC236}">
+                <a16:creationId xmlns:a16="http://schemas.microsoft.com/office/drawing/2014/main" id="{5590CC8E-CFC9-3D7A-D02A-BE221897245C}"/>
+              </a:ext>
+            </a:extLst>
+          </p:cNvPr>
+          <p:cNvSpPr txBox="1"/>
+          <p:nvPr/>
+        </p:nvSpPr>
+        <p:spPr>
+          <a:xfrm>
+            <a:off x="7094666" y="2285563"/>
+            <a:ext cx="3852337" cy="646331"/>
+          </a:xfrm>
+          <a:prstGeom prst="rect">
+            <a:avLst/>
+          </a:prstGeom>
+          <a:noFill/>
+          <a:ln>
+            <a:solidFill>
+              <a:schemeClr val="tx1"/>
+            </a:solidFill>
+            <a:extLst>
+              <a:ext uri="{C807C97D-BFC1-408E-A445-0C87EB9F89A2}">
+                <ask:lineSketchStyleProps xmlns:ask="http://schemas.microsoft.com/office/drawing/2018/sketchyshapes">
+                  <ask:type>
+                    <ask:lineSketchScribble/>
+                  </ask:type>
+                </ask:lineSketchStyleProps>
+              </a:ext>
+            </a:extLst>
+          </a:ln>
+        </p:spPr>
+        <p:txBody>
+          <a:bodyPr wrap="none" rtlCol="0">
+            <a:spAutoFit/>
+          </a:bodyPr>
+          <a:lstStyle/>
+          <a:p>
+            <a:r>
+              <a:rPr kumimoji="1" lang="zh-CN" altLang="en-US" dirty="0">
+                <a:solidFill>
+                  <a:srgbClr val="0070C0"/>
+                </a:solidFill>
+              </a:rPr>
+              <a:t>吞吐量： </a:t>
+            </a:r>
+            <a:r>
+              <a:rPr kumimoji="1" lang="en-US" altLang="zh-CN" dirty="0">
+                <a:solidFill>
+                  <a:srgbClr val="0070C0"/>
+                </a:solidFill>
+              </a:rPr>
+              <a:t>3job/30s = 0.1job/s</a:t>
+            </a:r>
+          </a:p>
+          <a:p>
+            <a:r>
+              <a:rPr kumimoji="1" lang="zh-CN" altLang="en-US" dirty="0">
+                <a:solidFill>
+                  <a:srgbClr val="0070C0"/>
+                </a:solidFill>
+              </a:rPr>
+              <a:t>平均周转时间</a:t>
+            </a:r>
+            <a:r>
+              <a:rPr kumimoji="1" lang="en-US" altLang="zh-CN" dirty="0">
+                <a:solidFill>
+                  <a:srgbClr val="0070C0"/>
+                </a:solidFill>
+                <a:sym typeface="Wingdings" pitchFamily="2" charset="2"/>
+              </a:rPr>
+              <a:t>(24s+27s+30s)/3 = 27s</a:t>
+            </a:r>
+            <a:endParaRPr kumimoji="1" lang="en-US" altLang="zh-CN" dirty="0">
+              <a:solidFill>
+                <a:srgbClr val="0070C0"/>
+              </a:solidFill>
+            </a:endParaRPr>
+          </a:p>
+        </p:txBody>
+      </p:sp>
+      <p:sp>
+        <p:nvSpPr>
+          <p:cNvPr id="13" name="文本框 12">
+            <a:extLst>
+              <a:ext uri="{FF2B5EF4-FFF2-40B4-BE49-F238E27FC236}">
+                <a16:creationId xmlns:a16="http://schemas.microsoft.com/office/drawing/2014/main" id="{21E50BB6-27D2-980F-3270-E23F5A49DAFE}"/>
+              </a:ext>
+            </a:extLst>
+          </p:cNvPr>
+          <p:cNvSpPr txBox="1"/>
+          <p:nvPr/>
+        </p:nvSpPr>
+        <p:spPr>
+          <a:xfrm>
+            <a:off x="247768" y="2424064"/>
+            <a:ext cx="1821332" cy="369332"/>
+          </a:xfrm>
+          <a:prstGeom prst="rect">
+            <a:avLst/>
+          </a:prstGeom>
+          <a:noFill/>
+        </p:spPr>
+        <p:txBody>
+          <a:bodyPr wrap="none" rtlCol="0">
+            <a:spAutoFit/>
+          </a:bodyPr>
+          <a:lstStyle/>
+          <a:p>
+            <a:r>
+              <a:rPr kumimoji="1" lang="en-US" altLang="zh-CN" dirty="0"/>
+              <a:t>FCFS</a:t>
+            </a:r>
+            <a:r>
+              <a:rPr kumimoji="1" lang="zh-CN" altLang="en-US" dirty="0"/>
+              <a:t>调度算法：</a:t>
+            </a:r>
+          </a:p>
+        </p:txBody>
+      </p:sp>
+      <p:sp>
+        <p:nvSpPr>
+          <p:cNvPr id="14" name="矩形 13">
+            <a:extLst>
+              <a:ext uri="{FF2B5EF4-FFF2-40B4-BE49-F238E27FC236}">
+                <a16:creationId xmlns:a16="http://schemas.microsoft.com/office/drawing/2014/main" id="{A9E3C4D8-FEF2-5C46-E77D-E865280D2AF5}"/>
+              </a:ext>
+            </a:extLst>
+          </p:cNvPr>
+          <p:cNvSpPr/>
+          <p:nvPr/>
+        </p:nvSpPr>
+        <p:spPr>
+          <a:xfrm>
+            <a:off x="3185289" y="3586807"/>
+            <a:ext cx="3238052" cy="398033"/>
+          </a:xfrm>
+          <a:prstGeom prst="rect">
+            <a:avLst/>
+          </a:prstGeom>
+          <a:solidFill>
+            <a:srgbClr val="F2CEFE"/>
+          </a:solidFill>
+        </p:spPr>
+        <p:style>
+          <a:lnRef idx="2">
+            <a:schemeClr val="accent1">
+              <a:shade val="15000"/>
+            </a:schemeClr>
+          </a:lnRef>
+          <a:fillRef idx="1">
+            <a:schemeClr val="accent1"/>
+          </a:fillRef>
+          <a:effectRef idx="0">
+            <a:schemeClr val="accent1"/>
+          </a:effectRef>
+          <a:fontRef idx="minor">
+            <a:schemeClr val="lt1"/>
+          </a:fontRef>
+        </p:style>
+        <p:txBody>
+          <a:bodyPr rtlCol="0" anchor="ctr"/>
+          <a:lstStyle/>
+          <a:p>
+            <a:pPr algn="ctr"/>
+            <a:r>
+              <a:rPr kumimoji="1" lang="en-US" altLang="zh-CN" b="1" dirty="0">
+                <a:solidFill>
+                  <a:schemeClr val="tx1"/>
+                </a:solidFill>
+                <a:latin typeface="Microsoft YaHei" panose="020B0503020204020204" pitchFamily="34" charset="-122"/>
+                <a:ea typeface="Microsoft YaHei" panose="020B0503020204020204" pitchFamily="34" charset="-122"/>
+              </a:rPr>
+              <a:t>P1</a:t>
+            </a:r>
+            <a:endParaRPr kumimoji="1" lang="zh-CN" altLang="en-US" b="1" dirty="0">
+              <a:solidFill>
+                <a:schemeClr val="tx1"/>
+              </a:solidFill>
+              <a:latin typeface="Microsoft YaHei" panose="020B0503020204020204" pitchFamily="34" charset="-122"/>
+              <a:ea typeface="Microsoft YaHei" panose="020B0503020204020204" pitchFamily="34" charset="-122"/>
+            </a:endParaRPr>
+          </a:p>
+        </p:txBody>
+      </p:sp>
+      <p:sp>
+        <p:nvSpPr>
+          <p:cNvPr id="15" name="文本框 14">
+            <a:extLst>
+              <a:ext uri="{FF2B5EF4-FFF2-40B4-BE49-F238E27FC236}">
+                <a16:creationId xmlns:a16="http://schemas.microsoft.com/office/drawing/2014/main" id="{7DA233A1-FBDF-3233-C308-0383A71FA63D}"/>
+              </a:ext>
+            </a:extLst>
+          </p:cNvPr>
+          <p:cNvSpPr txBox="1"/>
+          <p:nvPr/>
+        </p:nvSpPr>
+        <p:spPr>
+          <a:xfrm>
+            <a:off x="1766993" y="3984840"/>
+            <a:ext cx="306494" cy="369332"/>
+          </a:xfrm>
+          <a:prstGeom prst="rect">
+            <a:avLst/>
+          </a:prstGeom>
+          <a:noFill/>
+        </p:spPr>
+        <p:txBody>
+          <a:bodyPr wrap="none" rtlCol="0">
+            <a:spAutoFit/>
+          </a:bodyPr>
+          <a:lstStyle/>
+          <a:p>
+            <a:r>
+              <a:rPr kumimoji="1" lang="en-US" altLang="zh-CN" dirty="0"/>
+              <a:t>0</a:t>
+            </a:r>
+            <a:endParaRPr kumimoji="1" lang="zh-CN" altLang="en-US" dirty="0"/>
+          </a:p>
+        </p:txBody>
+      </p:sp>
+      <p:sp>
+        <p:nvSpPr>
+          <p:cNvPr id="16" name="文本框 15">
+            <a:extLst>
+              <a:ext uri="{FF2B5EF4-FFF2-40B4-BE49-F238E27FC236}">
+                <a16:creationId xmlns:a16="http://schemas.microsoft.com/office/drawing/2014/main" id="{0F84A0DD-F3C4-3F5F-19DD-DAF87C73E228}"/>
+              </a:ext>
+            </a:extLst>
+          </p:cNvPr>
+          <p:cNvSpPr txBox="1"/>
+          <p:nvPr/>
+        </p:nvSpPr>
+        <p:spPr>
+          <a:xfrm>
+            <a:off x="2351537" y="3970490"/>
+            <a:ext cx="428322" cy="369332"/>
+          </a:xfrm>
+          <a:prstGeom prst="rect">
+            <a:avLst/>
+          </a:prstGeom>
+          <a:noFill/>
+        </p:spPr>
+        <p:txBody>
+          <a:bodyPr wrap="square" rtlCol="0">
+            <a:spAutoFit/>
+          </a:bodyPr>
+          <a:lstStyle/>
+          <a:p>
+            <a:r>
+              <a:rPr kumimoji="1" lang="en-US" altLang="zh-CN" dirty="0"/>
+              <a:t>3</a:t>
+            </a:r>
+            <a:endParaRPr kumimoji="1" lang="zh-CN" altLang="en-US" dirty="0"/>
+          </a:p>
+        </p:txBody>
+      </p:sp>
+      <p:sp>
+        <p:nvSpPr>
+          <p:cNvPr id="17" name="矩形 16">
+            <a:extLst>
+              <a:ext uri="{FF2B5EF4-FFF2-40B4-BE49-F238E27FC236}">
+                <a16:creationId xmlns:a16="http://schemas.microsoft.com/office/drawing/2014/main" id="{FABE3A86-4672-13FC-7716-0EAEF79C5071}"/>
+              </a:ext>
+            </a:extLst>
+          </p:cNvPr>
+          <p:cNvSpPr/>
+          <p:nvPr/>
+        </p:nvSpPr>
+        <p:spPr>
+          <a:xfrm>
+            <a:off x="1920240" y="3586807"/>
+            <a:ext cx="645458" cy="398033"/>
+          </a:xfrm>
+          <a:prstGeom prst="rect">
+            <a:avLst/>
+          </a:prstGeom>
+          <a:solidFill>
+            <a:srgbClr val="F2CEFE"/>
+          </a:solidFill>
+        </p:spPr>
+        <p:style>
+          <a:lnRef idx="2">
+            <a:schemeClr val="accent1">
+              <a:shade val="15000"/>
+            </a:schemeClr>
+          </a:lnRef>
+          <a:fillRef idx="1">
+            <a:schemeClr val="accent1"/>
+          </a:fillRef>
+          <a:effectRef idx="0">
+            <a:schemeClr val="accent1"/>
+          </a:effectRef>
+          <a:fontRef idx="minor">
+            <a:schemeClr val="lt1"/>
+          </a:fontRef>
+        </p:style>
+        <p:txBody>
+          <a:bodyPr rtlCol="0" anchor="ctr"/>
+          <a:lstStyle/>
+          <a:p>
+            <a:pPr algn="ctr"/>
+            <a:r>
+              <a:rPr kumimoji="1" lang="en-US" altLang="zh-CN" b="1" dirty="0">
+                <a:solidFill>
+                  <a:schemeClr val="tx1"/>
+                </a:solidFill>
+                <a:latin typeface="Microsoft YaHei" panose="020B0503020204020204" pitchFamily="34" charset="-122"/>
+                <a:ea typeface="Microsoft YaHei" panose="020B0503020204020204" pitchFamily="34" charset="-122"/>
+              </a:rPr>
+              <a:t>P2</a:t>
+            </a:r>
+            <a:endParaRPr kumimoji="1" lang="zh-CN" altLang="en-US" b="1" dirty="0">
+              <a:solidFill>
+                <a:schemeClr val="tx1"/>
+              </a:solidFill>
+              <a:latin typeface="Microsoft YaHei" panose="020B0503020204020204" pitchFamily="34" charset="-122"/>
+              <a:ea typeface="Microsoft YaHei" panose="020B0503020204020204" pitchFamily="34" charset="-122"/>
+            </a:endParaRPr>
+          </a:p>
+        </p:txBody>
+      </p:sp>
+      <p:sp>
+        <p:nvSpPr>
+          <p:cNvPr id="18" name="矩形 17">
+            <a:extLst>
+              <a:ext uri="{FF2B5EF4-FFF2-40B4-BE49-F238E27FC236}">
+                <a16:creationId xmlns:a16="http://schemas.microsoft.com/office/drawing/2014/main" id="{92F3F396-70C2-D8E9-0570-6C053A04D377}"/>
+              </a:ext>
+            </a:extLst>
+          </p:cNvPr>
+          <p:cNvSpPr/>
+          <p:nvPr/>
+        </p:nvSpPr>
+        <p:spPr>
+          <a:xfrm>
+            <a:off x="2565698" y="3586807"/>
+            <a:ext cx="645458" cy="398033"/>
+          </a:xfrm>
+          <a:prstGeom prst="rect">
+            <a:avLst/>
+          </a:prstGeom>
+          <a:solidFill>
+            <a:srgbClr val="F2CEFE"/>
+          </a:solidFill>
+        </p:spPr>
+        <p:style>
+          <a:lnRef idx="2">
+            <a:schemeClr val="accent1">
+              <a:shade val="15000"/>
+            </a:schemeClr>
+          </a:lnRef>
+          <a:fillRef idx="1">
+            <a:schemeClr val="accent1"/>
+          </a:fillRef>
+          <a:effectRef idx="0">
+            <a:schemeClr val="accent1"/>
+          </a:effectRef>
+          <a:fontRef idx="minor">
+            <a:schemeClr val="lt1"/>
+          </a:fontRef>
+        </p:style>
+        <p:txBody>
+          <a:bodyPr rtlCol="0" anchor="ctr"/>
+          <a:lstStyle/>
+          <a:p>
+            <a:pPr algn="ctr"/>
+            <a:r>
+              <a:rPr kumimoji="1" lang="en-US" altLang="zh-CN" b="1" dirty="0">
+                <a:solidFill>
+                  <a:schemeClr val="tx1"/>
+                </a:solidFill>
+                <a:latin typeface="Microsoft YaHei" panose="020B0503020204020204" pitchFamily="34" charset="-122"/>
+                <a:ea typeface="Microsoft YaHei" panose="020B0503020204020204" pitchFamily="34" charset="-122"/>
+              </a:rPr>
+              <a:t>P3</a:t>
+            </a:r>
+            <a:endParaRPr kumimoji="1" lang="zh-CN" altLang="en-US" b="1" dirty="0">
+              <a:solidFill>
+                <a:schemeClr val="tx1"/>
+              </a:solidFill>
+              <a:latin typeface="Microsoft YaHei" panose="020B0503020204020204" pitchFamily="34" charset="-122"/>
+              <a:ea typeface="Microsoft YaHei" panose="020B0503020204020204" pitchFamily="34" charset="-122"/>
+            </a:endParaRPr>
+          </a:p>
+        </p:txBody>
+      </p:sp>
+      <p:sp>
+        <p:nvSpPr>
+          <p:cNvPr id="19" name="文本框 18">
+            <a:extLst>
+              <a:ext uri="{FF2B5EF4-FFF2-40B4-BE49-F238E27FC236}">
+                <a16:creationId xmlns:a16="http://schemas.microsoft.com/office/drawing/2014/main" id="{4E4862A7-226A-7F4B-1F58-94F43AE402E6}"/>
+              </a:ext>
+            </a:extLst>
+          </p:cNvPr>
+          <p:cNvSpPr txBox="1"/>
+          <p:nvPr/>
+        </p:nvSpPr>
+        <p:spPr>
+          <a:xfrm>
+            <a:off x="2976545" y="3970490"/>
+            <a:ext cx="306494" cy="369332"/>
+          </a:xfrm>
+          <a:prstGeom prst="rect">
+            <a:avLst/>
+          </a:prstGeom>
+          <a:noFill/>
+        </p:spPr>
+        <p:txBody>
+          <a:bodyPr wrap="none" rtlCol="0">
+            <a:spAutoFit/>
+          </a:bodyPr>
+          <a:lstStyle/>
+          <a:p>
+            <a:r>
+              <a:rPr kumimoji="1" lang="en-US" altLang="zh-CN" dirty="0"/>
+              <a:t>6</a:t>
+            </a:r>
+            <a:endParaRPr kumimoji="1" lang="zh-CN" altLang="en-US" dirty="0"/>
+          </a:p>
+        </p:txBody>
+      </p:sp>
+      <p:sp>
+        <p:nvSpPr>
+          <p:cNvPr id="20" name="文本框 19">
+            <a:extLst>
+              <a:ext uri="{FF2B5EF4-FFF2-40B4-BE49-F238E27FC236}">
+                <a16:creationId xmlns:a16="http://schemas.microsoft.com/office/drawing/2014/main" id="{54B00CAE-092F-DA62-84DE-30ECCB054C84}"/>
+              </a:ext>
+            </a:extLst>
+          </p:cNvPr>
+          <p:cNvSpPr txBox="1"/>
+          <p:nvPr/>
+        </p:nvSpPr>
+        <p:spPr>
+          <a:xfrm>
+            <a:off x="6232072" y="3984840"/>
+            <a:ext cx="428322" cy="369332"/>
+          </a:xfrm>
+          <a:prstGeom prst="rect">
+            <a:avLst/>
+          </a:prstGeom>
+          <a:noFill/>
+        </p:spPr>
+        <p:txBody>
+          <a:bodyPr wrap="none" rtlCol="0">
+            <a:spAutoFit/>
+          </a:bodyPr>
+          <a:lstStyle/>
+          <a:p>
+            <a:r>
+              <a:rPr kumimoji="1" lang="en-US" altLang="zh-CN" dirty="0"/>
+              <a:t>30</a:t>
+            </a:r>
+            <a:endParaRPr kumimoji="1" lang="zh-CN" altLang="en-US" dirty="0"/>
+          </a:p>
+        </p:txBody>
+      </p:sp>
+      <p:sp>
+        <p:nvSpPr>
+          <p:cNvPr id="21" name="文本框 20">
+            <a:extLst>
+              <a:ext uri="{FF2B5EF4-FFF2-40B4-BE49-F238E27FC236}">
+                <a16:creationId xmlns:a16="http://schemas.microsoft.com/office/drawing/2014/main" id="{C912DD05-82AB-E317-2EBA-AE510F24A765}"/>
+              </a:ext>
+            </a:extLst>
+          </p:cNvPr>
+          <p:cNvSpPr txBox="1"/>
+          <p:nvPr/>
+        </p:nvSpPr>
+        <p:spPr>
+          <a:xfrm>
+            <a:off x="7094666" y="3462657"/>
+            <a:ext cx="3608680" cy="646331"/>
+          </a:xfrm>
+          <a:prstGeom prst="rect">
+            <a:avLst/>
+          </a:prstGeom>
+          <a:noFill/>
+          <a:ln>
+            <a:solidFill>
+              <a:schemeClr val="tx1"/>
+            </a:solidFill>
+            <a:extLst>
+              <a:ext uri="{C807C97D-BFC1-408E-A445-0C87EB9F89A2}">
+                <ask:lineSketchStyleProps xmlns:ask="http://schemas.microsoft.com/office/drawing/2018/sketchyshapes" sd="3325308363">
+                  <a:custGeom>
+                    <a:avLst/>
+                    <a:gdLst>
+                      <a:gd name="connsiteX0" fmla="*/ 0 w 3608680"/>
+                      <a:gd name="connsiteY0" fmla="*/ 0 h 646331"/>
+                      <a:gd name="connsiteX1" fmla="*/ 551613 w 3608680"/>
+                      <a:gd name="connsiteY1" fmla="*/ 0 h 646331"/>
+                      <a:gd name="connsiteX2" fmla="*/ 1139312 w 3608680"/>
+                      <a:gd name="connsiteY2" fmla="*/ 0 h 646331"/>
+                      <a:gd name="connsiteX3" fmla="*/ 1618751 w 3608680"/>
+                      <a:gd name="connsiteY3" fmla="*/ 0 h 646331"/>
+                      <a:gd name="connsiteX4" fmla="*/ 2098190 w 3608680"/>
+                      <a:gd name="connsiteY4" fmla="*/ 0 h 646331"/>
+                      <a:gd name="connsiteX5" fmla="*/ 2649802 w 3608680"/>
+                      <a:gd name="connsiteY5" fmla="*/ 0 h 646331"/>
+                      <a:gd name="connsiteX6" fmla="*/ 3608680 w 3608680"/>
+                      <a:gd name="connsiteY6" fmla="*/ 0 h 646331"/>
+                      <a:gd name="connsiteX7" fmla="*/ 3608680 w 3608680"/>
+                      <a:gd name="connsiteY7" fmla="*/ 303776 h 646331"/>
+                      <a:gd name="connsiteX8" fmla="*/ 3608680 w 3608680"/>
+                      <a:gd name="connsiteY8" fmla="*/ 646331 h 646331"/>
+                      <a:gd name="connsiteX9" fmla="*/ 3129241 w 3608680"/>
+                      <a:gd name="connsiteY9" fmla="*/ 646331 h 646331"/>
+                      <a:gd name="connsiteX10" fmla="*/ 2685889 w 3608680"/>
+                      <a:gd name="connsiteY10" fmla="*/ 646331 h 646331"/>
+                      <a:gd name="connsiteX11" fmla="*/ 2170363 w 3608680"/>
+                      <a:gd name="connsiteY11" fmla="*/ 646331 h 646331"/>
+                      <a:gd name="connsiteX12" fmla="*/ 1690924 w 3608680"/>
+                      <a:gd name="connsiteY12" fmla="*/ 646331 h 646331"/>
+                      <a:gd name="connsiteX13" fmla="*/ 1247572 w 3608680"/>
+                      <a:gd name="connsiteY13" fmla="*/ 646331 h 646331"/>
+                      <a:gd name="connsiteX14" fmla="*/ 840307 w 3608680"/>
+                      <a:gd name="connsiteY14" fmla="*/ 646331 h 646331"/>
+                      <a:gd name="connsiteX15" fmla="*/ 0 w 3608680"/>
+                      <a:gd name="connsiteY15" fmla="*/ 646331 h 646331"/>
+                      <a:gd name="connsiteX16" fmla="*/ 0 w 3608680"/>
+                      <a:gd name="connsiteY16" fmla="*/ 310239 h 646331"/>
+                      <a:gd name="connsiteX17" fmla="*/ 0 w 3608680"/>
+                      <a:gd name="connsiteY17" fmla="*/ 0 h 646331"/>
+                    </a:gdLst>
+                    <a:ahLst/>
+                    <a:cxnLst>
+                      <a:cxn ang="0">
+                        <a:pos x="connsiteX0" y="connsiteY0"/>
+                      </a:cxn>
+                      <a:cxn ang="0">
+                        <a:pos x="connsiteX1" y="connsiteY1"/>
+                      </a:cxn>
+                      <a:cxn ang="0">
+                        <a:pos x="connsiteX2" y="connsiteY2"/>
+                      </a:cxn>
+                      <a:cxn ang="0">
+                        <a:pos x="connsiteX3" y="connsiteY3"/>
+                      </a:cxn>
+                      <a:cxn ang="0">
+                        <a:pos x="connsiteX4" y="connsiteY4"/>
+                      </a:cxn>
+                      <a:cxn ang="0">
+                        <a:pos x="connsiteX5" y="connsiteY5"/>
+                      </a:cxn>
+                      <a:cxn ang="0">
+                        <a:pos x="connsiteX6" y="connsiteY6"/>
+                      </a:cxn>
+                      <a:cxn ang="0">
+                        <a:pos x="connsiteX7" y="connsiteY7"/>
+                      </a:cxn>
+                      <a:cxn ang="0">
+                        <a:pos x="connsiteX8" y="connsiteY8"/>
+                      </a:cxn>
+                      <a:cxn ang="0">
+                        <a:pos x="connsiteX9" y="connsiteY9"/>
+                      </a:cxn>
+                      <a:cxn ang="0">
+                        <a:pos x="connsiteX10" y="connsiteY10"/>
+                      </a:cxn>
+                      <a:cxn ang="0">
+                        <a:pos x="connsiteX11" y="connsiteY11"/>
+                      </a:cxn>
+                      <a:cxn ang="0">
+                        <a:pos x="connsiteX12" y="connsiteY12"/>
+                      </a:cxn>
+                      <a:cxn ang="0">
+                        <a:pos x="connsiteX13" y="connsiteY13"/>
+                      </a:cxn>
+                      <a:cxn ang="0">
+                        <a:pos x="connsiteX14" y="connsiteY14"/>
+                      </a:cxn>
+                      <a:cxn ang="0">
+                        <a:pos x="connsiteX15" y="connsiteY15"/>
+                      </a:cxn>
+                      <a:cxn ang="0">
+                        <a:pos x="connsiteX16" y="connsiteY16"/>
+                      </a:cxn>
+                      <a:cxn ang="0">
+                        <a:pos x="connsiteX17" y="connsiteY17"/>
+                      </a:cxn>
+                    </a:cxnLst>
+                    <a:rect l="l" t="t" r="r" b="b"/>
+                    <a:pathLst>
+                      <a:path w="3608680" h="646331" extrusionOk="0">
+                        <a:moveTo>
+                          <a:pt x="0" y="0"/>
+                        </a:moveTo>
+                        <a:cubicBezTo>
+                          <a:pt x="194390" y="-17940"/>
+                          <a:pt x="354592" y="34040"/>
+                          <a:pt x="551613" y="0"/>
+                        </a:cubicBezTo>
+                        <a:cubicBezTo>
+                          <a:pt x="748634" y="-34040"/>
+                          <a:pt x="973956" y="70276"/>
+                          <a:pt x="1139312" y="0"/>
+                        </a:cubicBezTo>
+                        <a:cubicBezTo>
+                          <a:pt x="1304668" y="-70276"/>
+                          <a:pt x="1406932" y="50001"/>
+                          <a:pt x="1618751" y="0"/>
+                        </a:cubicBezTo>
+                        <a:cubicBezTo>
+                          <a:pt x="1830570" y="-50001"/>
+                          <a:pt x="1941314" y="52823"/>
+                          <a:pt x="2098190" y="0"/>
+                        </a:cubicBezTo>
+                        <a:cubicBezTo>
+                          <a:pt x="2255066" y="-52823"/>
+                          <a:pt x="2380268" y="54764"/>
+                          <a:pt x="2649802" y="0"/>
+                        </a:cubicBezTo>
+                        <a:cubicBezTo>
+                          <a:pt x="2919336" y="-54764"/>
+                          <a:pt x="3136644" y="112474"/>
+                          <a:pt x="3608680" y="0"/>
+                        </a:cubicBezTo>
+                        <a:cubicBezTo>
+                          <a:pt x="3639597" y="99675"/>
+                          <a:pt x="3585779" y="162115"/>
+                          <a:pt x="3608680" y="303776"/>
+                        </a:cubicBezTo>
+                        <a:cubicBezTo>
+                          <a:pt x="3631581" y="445437"/>
+                          <a:pt x="3596951" y="496673"/>
+                          <a:pt x="3608680" y="646331"/>
+                        </a:cubicBezTo>
+                        <a:cubicBezTo>
+                          <a:pt x="3414588" y="672241"/>
+                          <a:pt x="3243404" y="628387"/>
+                          <a:pt x="3129241" y="646331"/>
+                        </a:cubicBezTo>
+                        <a:cubicBezTo>
+                          <a:pt x="3015078" y="664275"/>
+                          <a:pt x="2872061" y="613855"/>
+                          <a:pt x="2685889" y="646331"/>
+                        </a:cubicBezTo>
+                        <a:cubicBezTo>
+                          <a:pt x="2499717" y="678807"/>
+                          <a:pt x="2365405" y="595826"/>
+                          <a:pt x="2170363" y="646331"/>
+                        </a:cubicBezTo>
+                        <a:cubicBezTo>
+                          <a:pt x="1975321" y="696836"/>
+                          <a:pt x="1884306" y="612320"/>
+                          <a:pt x="1690924" y="646331"/>
+                        </a:cubicBezTo>
+                        <a:cubicBezTo>
+                          <a:pt x="1497542" y="680342"/>
+                          <a:pt x="1362522" y="631539"/>
+                          <a:pt x="1247572" y="646331"/>
+                        </a:cubicBezTo>
+                        <a:cubicBezTo>
+                          <a:pt x="1132622" y="661123"/>
+                          <a:pt x="924091" y="644447"/>
+                          <a:pt x="840307" y="646331"/>
+                        </a:cubicBezTo>
+                        <a:cubicBezTo>
+                          <a:pt x="756523" y="648215"/>
+                          <a:pt x="175278" y="638971"/>
+                          <a:pt x="0" y="646331"/>
+                        </a:cubicBezTo>
+                        <a:cubicBezTo>
+                          <a:pt x="-10344" y="504258"/>
+                          <a:pt x="13665" y="441569"/>
+                          <a:pt x="0" y="310239"/>
+                        </a:cubicBezTo>
+                        <a:cubicBezTo>
+                          <a:pt x="-13665" y="178909"/>
+                          <a:pt x="1543" y="121784"/>
+                          <a:pt x="0" y="0"/>
+                        </a:cubicBezTo>
+                        <a:close/>
+                      </a:path>
+                    </a:pathLst>
+                  </a:custGeom>
+                  <ask:type>
+                    <ask:lineSketchScribble/>
+                  </ask:type>
+                </ask:lineSketchStyleProps>
+              </a:ext>
+            </a:extLst>
+          </a:ln>
+        </p:spPr>
+        <p:txBody>
+          <a:bodyPr wrap="none" rtlCol="0">
+            <a:spAutoFit/>
+          </a:bodyPr>
+          <a:lstStyle/>
+          <a:p>
+            <a:r>
+              <a:rPr kumimoji="1" lang="zh-CN" altLang="en-US" dirty="0">
+                <a:solidFill>
+                  <a:srgbClr val="0070C0"/>
+                </a:solidFill>
+              </a:rPr>
+              <a:t>吞吐量： </a:t>
+            </a:r>
+            <a:r>
+              <a:rPr kumimoji="1" lang="en-US" altLang="zh-CN" dirty="0">
+                <a:solidFill>
+                  <a:srgbClr val="0070C0"/>
+                </a:solidFill>
+              </a:rPr>
+              <a:t>3job/30s = 0.1job/s</a:t>
+            </a:r>
+          </a:p>
+          <a:p>
+            <a:r>
+              <a:rPr kumimoji="1" lang="zh-CN" altLang="en-US" dirty="0">
+                <a:solidFill>
+                  <a:srgbClr val="0070C0"/>
+                </a:solidFill>
+              </a:rPr>
+              <a:t>平均周转时间</a:t>
+            </a:r>
+            <a:r>
+              <a:rPr kumimoji="1" lang="en-US" altLang="zh-CN" dirty="0">
+                <a:solidFill>
+                  <a:srgbClr val="0070C0"/>
+                </a:solidFill>
+                <a:sym typeface="Wingdings" pitchFamily="2" charset="2"/>
+              </a:rPr>
+              <a:t>(20s+3s+6s)/3 = 13s</a:t>
+            </a:r>
+            <a:endParaRPr kumimoji="1" lang="en-US" altLang="zh-CN" dirty="0">
+              <a:solidFill>
+                <a:srgbClr val="0070C0"/>
+              </a:solidFill>
+            </a:endParaRPr>
+          </a:p>
+        </p:txBody>
+      </p:sp>
+      <p:sp>
+        <p:nvSpPr>
+          <p:cNvPr id="22" name="文本框 21">
+            <a:extLst>
+              <a:ext uri="{FF2B5EF4-FFF2-40B4-BE49-F238E27FC236}">
+                <a16:creationId xmlns:a16="http://schemas.microsoft.com/office/drawing/2014/main" id="{9744F681-FE13-A3AB-E4D3-E1212425FF3E}"/>
+              </a:ext>
+            </a:extLst>
+          </p:cNvPr>
+          <p:cNvSpPr txBox="1"/>
+          <p:nvPr/>
+        </p:nvSpPr>
+        <p:spPr>
+          <a:xfrm>
+            <a:off x="247768" y="3601158"/>
+            <a:ext cx="1646605" cy="369332"/>
+          </a:xfrm>
+          <a:prstGeom prst="rect">
+            <a:avLst/>
+          </a:prstGeom>
+          <a:noFill/>
+        </p:spPr>
+        <p:txBody>
+          <a:bodyPr wrap="none" rtlCol="0">
+            <a:spAutoFit/>
+          </a:bodyPr>
+          <a:lstStyle/>
+          <a:p>
+            <a:r>
+              <a:rPr kumimoji="1" lang="en-US" altLang="zh-CN" dirty="0"/>
+              <a:t>SJF</a:t>
+            </a:r>
+            <a:r>
+              <a:rPr kumimoji="1" lang="zh-CN" altLang="en-US" dirty="0"/>
+              <a:t>调度算法：</a:t>
+            </a:r>
+          </a:p>
+        </p:txBody>
+      </p:sp>
+    </p:spTree>
+    <p:extLst>
+      <p:ext uri="{BB962C8B-B14F-4D97-AF65-F5344CB8AC3E}">
+        <p14:creationId xmlns:p14="http://schemas.microsoft.com/office/powerpoint/2010/main" val="352517352"/>
+      </p:ext>
+    </p:extLst>
+  </p:cSld>
+  <p:clrMapOvr>
+    <a:masterClrMapping/>
+  </p:clrMapOvr>
+</p:sld>
+</file>
+
+<file path=ppt/slides/slide4.xml><?xml version="1.0" encoding="utf-8"?>
+<p:sld xmlns:a="http://schemas.openxmlformats.org/drawingml/2006/main" xmlns:r="http://schemas.openxmlformats.org/officeDocument/2006/relationships" xmlns:p="http://schemas.openxmlformats.org/presentationml/2006/main">
+  <p:cSld>
+    <p:spTree>
+      <p:nvGrpSpPr>
+        <p:cNvPr id="1" name=""/>
+        <p:cNvGrpSpPr/>
+        <p:nvPr/>
+      </p:nvGrpSpPr>
+      <p:grpSpPr>
+        <a:xfrm>
+          <a:off x="0" y="0"/>
+          <a:ext cx="0" cy="0"/>
+          <a:chOff x="0" y="0"/>
+          <a:chExt cx="0" cy="0"/>
+        </a:xfrm>
+      </p:grpSpPr>
+      <p:graphicFrame>
+        <p:nvGraphicFramePr>
+          <p:cNvPr id="4" name="表格 3">
+            <a:extLst>
+              <a:ext uri="{FF2B5EF4-FFF2-40B4-BE49-F238E27FC236}">
+                <a16:creationId xmlns:a16="http://schemas.microsoft.com/office/drawing/2014/main" id="{627AF525-A3E7-C331-4AAA-CF4283E8AD0E}"/>
+              </a:ext>
+            </a:extLst>
+          </p:cNvPr>
+          <p:cNvGraphicFramePr>
+            <a:graphicFrameLocks noGrp="1"/>
+          </p:cNvGraphicFramePr>
+          <p:nvPr>
+            <p:extLst>
+              <p:ext uri="{D42A27DB-BD31-4B8C-83A1-F6EECF244321}">
+                <p14:modId xmlns:p14="http://schemas.microsoft.com/office/powerpoint/2010/main" val="144192282"/>
+              </p:ext>
+            </p:extLst>
+          </p:nvPr>
+        </p:nvGraphicFramePr>
+        <p:xfrm>
+          <a:off x="1321996" y="235573"/>
+          <a:ext cx="3626520" cy="1902266"/>
+        </p:xfrm>
+        <a:graphic>
+          <a:graphicData uri="http://schemas.openxmlformats.org/drawingml/2006/table">
+            <a:tbl>
+              <a:tblPr firstRow="1" bandRow="1">
+                <a:tableStyleId>{5C22544A-7EE6-4342-B048-85BDC9FD1C3A}</a:tableStyleId>
+              </a:tblPr>
+              <a:tblGrid>
+                <a:gridCol w="1208840">
+                  <a:extLst>
+                    <a:ext uri="{9D8B030D-6E8A-4147-A177-3AD203B41FA5}">
+                      <a16:colId xmlns:a16="http://schemas.microsoft.com/office/drawing/2014/main" val="1710390941"/>
+                    </a:ext>
+                  </a:extLst>
+                </a:gridCol>
+                <a:gridCol w="1208840">
+                  <a:extLst>
+                    <a:ext uri="{9D8B030D-6E8A-4147-A177-3AD203B41FA5}">
+                      <a16:colId xmlns:a16="http://schemas.microsoft.com/office/drawing/2014/main" val="2142988891"/>
+                    </a:ext>
+                  </a:extLst>
+                </a:gridCol>
+                <a:gridCol w="1208840">
+                  <a:extLst>
+                    <a:ext uri="{9D8B030D-6E8A-4147-A177-3AD203B41FA5}">
+                      <a16:colId xmlns:a16="http://schemas.microsoft.com/office/drawing/2014/main" val="2721102210"/>
+                    </a:ext>
+                  </a:extLst>
+                </a:gridCol>
+              </a:tblGrid>
+              <a:tr h="439226">
+                <a:tc>
+                  <a:txBody>
+                    <a:bodyPr/>
+                    <a:lstStyle/>
+                    <a:p>
+                      <a:r>
+                        <a:rPr lang="zh-CN" altLang="en-US" dirty="0"/>
+                        <a:t>进程</a:t>
+                      </a:r>
+                    </a:p>
+                  </a:txBody>
+                  <a:tcPr/>
+                </a:tc>
+                <a:tc>
+                  <a:txBody>
+                    <a:bodyPr/>
+                    <a:lstStyle/>
+                    <a:p>
+                      <a:r>
+                        <a:rPr lang="zh-CN" altLang="en-US" dirty="0"/>
+                        <a:t>到达时刻</a:t>
+                      </a:r>
+                    </a:p>
+                  </a:txBody>
+                  <a:tcPr/>
+                </a:tc>
+                <a:tc>
+                  <a:txBody>
+                    <a:bodyPr/>
+                    <a:lstStyle/>
+                    <a:p>
+                      <a:r>
+                        <a:rPr lang="zh-CN" altLang="en-US" dirty="0"/>
+                        <a:t>运行时间</a:t>
+                      </a:r>
+                      <a:endParaRPr lang="en-US" altLang="zh-CN" dirty="0"/>
+                    </a:p>
+                  </a:txBody>
+                  <a:tcPr/>
+                </a:tc>
+                <a:extLst>
+                  <a:ext uri="{0D108BD9-81ED-4DB2-BD59-A6C34878D82A}">
+                    <a16:rowId xmlns:a16="http://schemas.microsoft.com/office/drawing/2014/main" val="388595902"/>
+                  </a:ext>
+                </a:extLst>
+              </a:tr>
+              <a:tr h="310016">
+                <a:tc>
+                  <a:txBody>
+                    <a:bodyPr/>
+                    <a:lstStyle/>
+                    <a:p>
+                      <a:r>
+                        <a:rPr lang="en-US" altLang="zh-CN" dirty="0"/>
+                        <a:t>P1</a:t>
+                      </a:r>
+                      <a:endParaRPr lang="zh-CN" altLang="en-US" dirty="0"/>
+                    </a:p>
+                  </a:txBody>
+                  <a:tcPr/>
+                </a:tc>
+                <a:tc>
+                  <a:txBody>
+                    <a:bodyPr/>
+                    <a:lstStyle/>
+                    <a:p>
+                      <a:r>
+                        <a:rPr lang="en-US" altLang="zh-CN" dirty="0"/>
+                        <a:t>0</a:t>
+                      </a:r>
+                      <a:endParaRPr lang="zh-CN" altLang="en-US" dirty="0"/>
+                    </a:p>
+                  </a:txBody>
+                  <a:tcPr/>
+                </a:tc>
+                <a:tc>
+                  <a:txBody>
+                    <a:bodyPr/>
+                    <a:lstStyle/>
+                    <a:p>
+                      <a:r>
+                        <a:rPr lang="en-US" altLang="zh-CN" dirty="0"/>
+                        <a:t>7</a:t>
+                      </a:r>
+                      <a:endParaRPr lang="zh-CN" altLang="en-US" dirty="0"/>
+                    </a:p>
+                  </a:txBody>
+                  <a:tcPr/>
+                </a:tc>
+                <a:extLst>
+                  <a:ext uri="{0D108BD9-81ED-4DB2-BD59-A6C34878D82A}">
+                    <a16:rowId xmlns:a16="http://schemas.microsoft.com/office/drawing/2014/main" val="2810250547"/>
+                  </a:ext>
+                </a:extLst>
+              </a:tr>
+              <a:tr h="310016">
+                <a:tc>
+                  <a:txBody>
+                    <a:bodyPr/>
+                    <a:lstStyle/>
+                    <a:p>
+                      <a:r>
+                        <a:rPr lang="en-US" altLang="zh-CN" dirty="0"/>
+                        <a:t>P2</a:t>
+                      </a:r>
+                    </a:p>
+                  </a:txBody>
+                  <a:tcPr/>
+                </a:tc>
+                <a:tc>
+                  <a:txBody>
+                    <a:bodyPr/>
+                    <a:lstStyle/>
+                    <a:p>
+                      <a:r>
+                        <a:rPr lang="en-US" altLang="zh-CN" dirty="0"/>
+                        <a:t>2</a:t>
+                      </a:r>
+                      <a:endParaRPr lang="zh-CN" altLang="en-US" dirty="0"/>
+                    </a:p>
+                  </a:txBody>
+                  <a:tcPr/>
+                </a:tc>
+                <a:tc>
+                  <a:txBody>
+                    <a:bodyPr/>
+                    <a:lstStyle/>
+                    <a:p>
+                      <a:r>
+                        <a:rPr lang="en-US" altLang="zh-CN" dirty="0"/>
+                        <a:t>4</a:t>
+                      </a:r>
+                      <a:endParaRPr lang="zh-CN" altLang="en-US" dirty="0"/>
+                    </a:p>
+                  </a:txBody>
+                  <a:tcPr/>
+                </a:tc>
+                <a:extLst>
+                  <a:ext uri="{0D108BD9-81ED-4DB2-BD59-A6C34878D82A}">
+                    <a16:rowId xmlns:a16="http://schemas.microsoft.com/office/drawing/2014/main" val="2337488173"/>
+                  </a:ext>
+                </a:extLst>
+              </a:tr>
+              <a:tr h="310016">
+                <a:tc>
+                  <a:txBody>
+                    <a:bodyPr/>
+                    <a:lstStyle/>
+                    <a:p>
+                      <a:r>
+                        <a:rPr lang="en-US" altLang="zh-CN" dirty="0"/>
+                        <a:t>P3</a:t>
+                      </a:r>
+                      <a:endParaRPr lang="zh-CN" altLang="en-US" dirty="0"/>
+                    </a:p>
+                  </a:txBody>
+                  <a:tcPr/>
+                </a:tc>
+                <a:tc>
+                  <a:txBody>
+                    <a:bodyPr/>
+                    <a:lstStyle/>
+                    <a:p>
+                      <a:r>
+                        <a:rPr lang="en-US" altLang="zh-CN" dirty="0"/>
+                        <a:t>4</a:t>
+                      </a:r>
+                      <a:endParaRPr lang="zh-CN" altLang="en-US" dirty="0"/>
+                    </a:p>
+                  </a:txBody>
+                  <a:tcPr/>
+                </a:tc>
+                <a:tc>
+                  <a:txBody>
+                    <a:bodyPr/>
+                    <a:lstStyle/>
+                    <a:p>
+                      <a:r>
+                        <a:rPr lang="en-US" altLang="zh-CN" dirty="0"/>
+                        <a:t>1</a:t>
+                      </a:r>
+                      <a:endParaRPr lang="zh-CN" altLang="en-US" dirty="0"/>
+                    </a:p>
+                  </a:txBody>
+                  <a:tcPr/>
+                </a:tc>
+                <a:extLst>
+                  <a:ext uri="{0D108BD9-81ED-4DB2-BD59-A6C34878D82A}">
+                    <a16:rowId xmlns:a16="http://schemas.microsoft.com/office/drawing/2014/main" val="1082364255"/>
+                  </a:ext>
+                </a:extLst>
+              </a:tr>
+              <a:tr h="310016">
+                <a:tc>
+                  <a:txBody>
+                    <a:bodyPr/>
+                    <a:lstStyle/>
+                    <a:p>
+                      <a:r>
+                        <a:rPr lang="en-US" altLang="zh-CN" dirty="0"/>
+                        <a:t>P4</a:t>
+                      </a:r>
+                      <a:endParaRPr lang="zh-CN" altLang="en-US" dirty="0"/>
+                    </a:p>
+                  </a:txBody>
+                  <a:tcPr/>
+                </a:tc>
+                <a:tc>
+                  <a:txBody>
+                    <a:bodyPr/>
+                    <a:lstStyle/>
+                    <a:p>
+                      <a:r>
+                        <a:rPr lang="en-US" altLang="zh-CN" dirty="0"/>
+                        <a:t>5</a:t>
+                      </a:r>
+                      <a:endParaRPr lang="zh-CN" altLang="en-US" dirty="0"/>
+                    </a:p>
+                  </a:txBody>
+                  <a:tcPr/>
+                </a:tc>
+                <a:tc>
+                  <a:txBody>
+                    <a:bodyPr/>
+                    <a:lstStyle/>
+                    <a:p>
+                      <a:r>
+                        <a:rPr lang="en-US" altLang="zh-CN" dirty="0"/>
+                        <a:t>4</a:t>
+                      </a:r>
+                      <a:endParaRPr lang="zh-CN" altLang="en-US" dirty="0"/>
+                    </a:p>
+                  </a:txBody>
+                  <a:tcPr/>
+                </a:tc>
+                <a:extLst>
+                  <a:ext uri="{0D108BD9-81ED-4DB2-BD59-A6C34878D82A}">
+                    <a16:rowId xmlns:a16="http://schemas.microsoft.com/office/drawing/2014/main" val="2569525589"/>
+                  </a:ext>
+                </a:extLst>
+              </a:tr>
+            </a:tbl>
+          </a:graphicData>
+        </a:graphic>
+      </p:graphicFrame>
+      <p:pic>
+        <p:nvPicPr>
+          <p:cNvPr id="5" name="图片 4">
+            <a:extLst>
+              <a:ext uri="{FF2B5EF4-FFF2-40B4-BE49-F238E27FC236}">
+                <a16:creationId xmlns:a16="http://schemas.microsoft.com/office/drawing/2014/main" id="{7046C92A-EECB-4CA1-0CB2-76DFFD2A152D}"/>
+              </a:ext>
+            </a:extLst>
+          </p:cNvPr>
+          <p:cNvPicPr>
+            <a:picLocks noChangeAspect="1"/>
+          </p:cNvPicPr>
+          <p:nvPr/>
+        </p:nvPicPr>
+        <p:blipFill>
+          <a:blip r:embed="rId2"/>
+          <a:stretch>
+            <a:fillRect/>
+          </a:stretch>
+        </p:blipFill>
+        <p:spPr>
+          <a:xfrm>
+            <a:off x="1321996" y="2557431"/>
+            <a:ext cx="7772400" cy="1121789"/>
+          </a:xfrm>
+          <a:prstGeom prst="rect">
+            <a:avLst/>
+          </a:prstGeom>
+        </p:spPr>
+      </p:pic>
+      <p:pic>
+        <p:nvPicPr>
+          <p:cNvPr id="6" name="图片 5">
+            <a:extLst>
+              <a:ext uri="{FF2B5EF4-FFF2-40B4-BE49-F238E27FC236}">
+                <a16:creationId xmlns:a16="http://schemas.microsoft.com/office/drawing/2014/main" id="{1945BC20-3B78-8211-6A74-D6EECF9BDE53}"/>
+              </a:ext>
+            </a:extLst>
+          </p:cNvPr>
+          <p:cNvPicPr>
+            <a:picLocks noChangeAspect="1"/>
+          </p:cNvPicPr>
+          <p:nvPr/>
+        </p:nvPicPr>
+        <p:blipFill>
+          <a:blip r:embed="rId3"/>
+          <a:stretch>
+            <a:fillRect/>
+          </a:stretch>
+        </p:blipFill>
+        <p:spPr>
+          <a:xfrm>
+            <a:off x="1413734" y="3975103"/>
+            <a:ext cx="7772400" cy="1209930"/>
+          </a:xfrm>
+          <a:prstGeom prst="rect">
+            <a:avLst/>
+          </a:prstGeom>
+        </p:spPr>
+      </p:pic>
+      <p:sp>
+        <p:nvSpPr>
+          <p:cNvPr id="7" name="矩形 6">
+            <a:extLst>
+              <a:ext uri="{FF2B5EF4-FFF2-40B4-BE49-F238E27FC236}">
+                <a16:creationId xmlns:a16="http://schemas.microsoft.com/office/drawing/2014/main" id="{42B5C9C9-FB6A-56B3-19A5-5A4FD248A533}"/>
+              </a:ext>
+            </a:extLst>
+          </p:cNvPr>
+          <p:cNvSpPr/>
+          <p:nvPr/>
+        </p:nvSpPr>
+        <p:spPr>
+          <a:xfrm>
+            <a:off x="1559859" y="3536811"/>
+            <a:ext cx="537882" cy="215152"/>
+          </a:xfrm>
+          <a:prstGeom prst="rect">
+            <a:avLst/>
+          </a:prstGeom>
+          <a:solidFill>
+            <a:schemeClr val="bg1"/>
+          </a:solidFill>
+          <a:ln>
+            <a:noFill/>
+          </a:ln>
+        </p:spPr>
+        <p:style>
+          <a:lnRef idx="2">
+            <a:schemeClr val="accent1">
+              <a:shade val="15000"/>
+            </a:schemeClr>
+          </a:lnRef>
+          <a:fillRef idx="1">
+            <a:schemeClr val="accent1"/>
+          </a:fillRef>
+          <a:effectRef idx="0">
+            <a:schemeClr val="accent1"/>
+          </a:effectRef>
+          <a:fontRef idx="minor">
+            <a:schemeClr val="lt1"/>
+          </a:fontRef>
+        </p:style>
+        <p:txBody>
+          <a:bodyPr rtlCol="0" anchor="ctr"/>
+          <a:lstStyle/>
+          <a:p>
+            <a:pPr algn="ctr"/>
+            <a:endParaRPr kumimoji="1" lang="zh-CN" altLang="en-US"/>
+          </a:p>
+        </p:txBody>
+      </p:sp>
+      <p:sp>
+        <p:nvSpPr>
+          <p:cNvPr id="9" name="矩形 8">
+            <a:extLst>
+              <a:ext uri="{FF2B5EF4-FFF2-40B4-BE49-F238E27FC236}">
+                <a16:creationId xmlns:a16="http://schemas.microsoft.com/office/drawing/2014/main" id="{D5F4339C-9EC6-7D48-16E5-CD250263DDAC}"/>
+              </a:ext>
+            </a:extLst>
+          </p:cNvPr>
+          <p:cNvSpPr/>
+          <p:nvPr/>
+        </p:nvSpPr>
+        <p:spPr>
+          <a:xfrm>
+            <a:off x="1194099" y="3584045"/>
+            <a:ext cx="198120" cy="215152"/>
+          </a:xfrm>
+          <a:prstGeom prst="rect">
+            <a:avLst/>
+          </a:prstGeom>
+          <a:solidFill>
+            <a:schemeClr val="bg1"/>
+          </a:solidFill>
+          <a:ln>
+            <a:noFill/>
+          </a:ln>
+        </p:spPr>
+        <p:style>
+          <a:lnRef idx="2">
+            <a:schemeClr val="accent1">
+              <a:shade val="15000"/>
+            </a:schemeClr>
+          </a:lnRef>
+          <a:fillRef idx="1">
+            <a:schemeClr val="accent1"/>
+          </a:fillRef>
+          <a:effectRef idx="0">
+            <a:schemeClr val="accent1"/>
+          </a:effectRef>
+          <a:fontRef idx="minor">
+            <a:schemeClr val="lt1"/>
+          </a:fontRef>
+        </p:style>
+        <p:txBody>
+          <a:bodyPr rtlCol="0" anchor="ctr"/>
+          <a:lstStyle/>
+          <a:p>
+            <a:pPr algn="ctr"/>
+            <a:endParaRPr kumimoji="1" lang="zh-CN" altLang="en-US"/>
+          </a:p>
+        </p:txBody>
+      </p:sp>
+      <p:sp>
+        <p:nvSpPr>
+          <p:cNvPr id="10" name="文本框 9">
+            <a:extLst>
+              <a:ext uri="{FF2B5EF4-FFF2-40B4-BE49-F238E27FC236}">
+                <a16:creationId xmlns:a16="http://schemas.microsoft.com/office/drawing/2014/main" id="{E0E53146-8611-5F64-58EA-2B8C6CD8BA68}"/>
+              </a:ext>
+            </a:extLst>
+          </p:cNvPr>
+          <p:cNvSpPr txBox="1"/>
+          <p:nvPr/>
+        </p:nvSpPr>
+        <p:spPr>
+          <a:xfrm>
+            <a:off x="139452" y="2627624"/>
+            <a:ext cx="1338828" cy="646331"/>
+          </a:xfrm>
+          <a:prstGeom prst="rect">
+            <a:avLst/>
+          </a:prstGeom>
+          <a:noFill/>
+        </p:spPr>
+        <p:txBody>
+          <a:bodyPr wrap="none" rtlCol="0">
+            <a:spAutoFit/>
+          </a:bodyPr>
+          <a:lstStyle/>
+          <a:p>
+            <a:pPr algn="ctr"/>
+            <a:r>
+              <a:rPr kumimoji="1" lang="en-US" altLang="zh-CN" b="1" dirty="0"/>
+              <a:t>SJF</a:t>
+            </a:r>
+          </a:p>
+          <a:p>
+            <a:pPr algn="ctr"/>
+            <a:r>
+              <a:rPr kumimoji="1" lang="zh-CN" altLang="en-US" b="1" dirty="0"/>
+              <a:t>（非抢占）</a:t>
+            </a:r>
+          </a:p>
+        </p:txBody>
+      </p:sp>
+      <p:sp>
+        <p:nvSpPr>
+          <p:cNvPr id="11" name="文本框 10">
+            <a:extLst>
+              <a:ext uri="{FF2B5EF4-FFF2-40B4-BE49-F238E27FC236}">
+                <a16:creationId xmlns:a16="http://schemas.microsoft.com/office/drawing/2014/main" id="{3BEEF2B1-AA7C-D621-ED8B-2CCF784FC9DB}"/>
+              </a:ext>
+            </a:extLst>
+          </p:cNvPr>
+          <p:cNvSpPr txBox="1"/>
+          <p:nvPr/>
+        </p:nvSpPr>
+        <p:spPr>
+          <a:xfrm>
+            <a:off x="254868" y="3989310"/>
+            <a:ext cx="1107996" cy="646331"/>
+          </a:xfrm>
+          <a:prstGeom prst="rect">
+            <a:avLst/>
+          </a:prstGeom>
+          <a:noFill/>
+        </p:spPr>
+        <p:txBody>
+          <a:bodyPr wrap="none" rtlCol="0">
+            <a:spAutoFit/>
+          </a:bodyPr>
+          <a:lstStyle/>
+          <a:p>
+            <a:pPr algn="ctr"/>
+            <a:r>
+              <a:rPr kumimoji="1" lang="en-US" altLang="zh-CN" b="1" dirty="0"/>
+              <a:t>SRTN</a:t>
+            </a:r>
+          </a:p>
+          <a:p>
+            <a:pPr algn="ctr"/>
+            <a:r>
+              <a:rPr kumimoji="1" lang="zh-CN" altLang="en-US" b="1" dirty="0"/>
+              <a:t>（抢占）</a:t>
+            </a:r>
+          </a:p>
+        </p:txBody>
+      </p:sp>
+    </p:spTree>
+    <p:extLst>
+      <p:ext uri="{BB962C8B-B14F-4D97-AF65-F5344CB8AC3E}">
+        <p14:creationId xmlns:p14="http://schemas.microsoft.com/office/powerpoint/2010/main" val="3518679649"/>
+      </p:ext>
+    </p:extLst>
+  </p:cSld>
+  <p:clrMapOvr>
+    <a:masterClrMapping/>
+  </p:clrMapOvr>
+</p:sld>
+</file>
+
 <file path=ppt/theme/theme1.xml><?xml version="1.0" encoding="utf-8"?>
 <a:theme xmlns:a="http://schemas.openxmlformats.org/drawingml/2006/main" name="Office 主题​​">
   <a:themeElements>
